--- a/Database Design Chat/Database Design Chat 016 ACID.pptx
+++ b/Database Design Chat/Database Design Chat 016 ACID.pptx
@@ -5817,8 +5817,13 @@
           <a:p>
             <a:r>
               <a:rPr lang="en-US" sz="4800" dirty="0"/>
-              <a:t>Database Design Chat 010</a:t>
-            </a:r>
+              <a:t>Database Design </a:t>
+            </a:r>
+            <a:r>
+              <a:rPr lang="en-US" sz="4800"/>
+              <a:t>Chat 016</a:t>
+            </a:r>
+            <a:endParaRPr lang="en-US" sz="4800" dirty="0"/>
           </a:p>
         </p:txBody>
       </p:sp>
